--- a/Operating Report.pptx
+++ b/Operating Report.pptx
@@ -118,6 +118,11 @@
       </a:defRPr>
     </a:lvl9pPr>
   </p:defaultTextStyle>
+  <p:extLst>
+    <p:ext uri="{EFAFB233-063F-42B5-8137-9DF3F51BA10A}">
+      <p15:sldGuideLst xmlns:p15="http://schemas.microsoft.com/office/powerpoint/2012/main"/>
+    </p:ext>
+  </p:extLst>
 </p:presentation>
 </file>
 
@@ -785,7 +790,7 @@
           <a:p>
             <a:fld id="{C2E7B131-07F8-424C-B2C6-988122726F97}" type="datetimeFigureOut">
               <a:rPr lang="en-US" smtClean="0"/>
-              <a:t>9/12/19</a:t>
+              <a:t>9/13/19</a:t>
             </a:fld>
             <a:endParaRPr lang="en-US"/>
           </a:p>
@@ -983,7 +988,7 @@
           <a:p>
             <a:fld id="{C2E7B131-07F8-424C-B2C6-988122726F97}" type="datetimeFigureOut">
               <a:rPr lang="en-US" smtClean="0"/>
-              <a:t>9/12/19</a:t>
+              <a:t>9/13/19</a:t>
             </a:fld>
             <a:endParaRPr lang="en-US"/>
           </a:p>
@@ -1191,7 +1196,7 @@
           <a:p>
             <a:fld id="{C2E7B131-07F8-424C-B2C6-988122726F97}" type="datetimeFigureOut">
               <a:rPr lang="en-US" smtClean="0"/>
-              <a:t>9/12/19</a:t>
+              <a:t>9/13/19</a:t>
             </a:fld>
             <a:endParaRPr lang="en-US"/>
           </a:p>
@@ -1389,7 +1394,7 @@
           <a:p>
             <a:fld id="{C2E7B131-07F8-424C-B2C6-988122726F97}" type="datetimeFigureOut">
               <a:rPr lang="en-US" smtClean="0"/>
-              <a:t>9/12/19</a:t>
+              <a:t>9/13/19</a:t>
             </a:fld>
             <a:endParaRPr lang="en-US"/>
           </a:p>
@@ -1664,7 +1669,7 @@
           <a:p>
             <a:fld id="{C2E7B131-07F8-424C-B2C6-988122726F97}" type="datetimeFigureOut">
               <a:rPr lang="en-US" smtClean="0"/>
-              <a:t>9/12/19</a:t>
+              <a:t>9/13/19</a:t>
             </a:fld>
             <a:endParaRPr lang="en-US"/>
           </a:p>
@@ -1929,7 +1934,7 @@
           <a:p>
             <a:fld id="{C2E7B131-07F8-424C-B2C6-988122726F97}" type="datetimeFigureOut">
               <a:rPr lang="en-US" smtClean="0"/>
-              <a:t>9/12/19</a:t>
+              <a:t>9/13/19</a:t>
             </a:fld>
             <a:endParaRPr lang="en-US"/>
           </a:p>
@@ -2341,7 +2346,7 @@
           <a:p>
             <a:fld id="{C2E7B131-07F8-424C-B2C6-988122726F97}" type="datetimeFigureOut">
               <a:rPr lang="en-US" smtClean="0"/>
-              <a:t>9/12/19</a:t>
+              <a:t>9/13/19</a:t>
             </a:fld>
             <a:endParaRPr lang="en-US"/>
           </a:p>
@@ -2482,7 +2487,7 @@
           <a:p>
             <a:fld id="{C2E7B131-07F8-424C-B2C6-988122726F97}" type="datetimeFigureOut">
               <a:rPr lang="en-US" smtClean="0"/>
-              <a:t>9/12/19</a:t>
+              <a:t>9/13/19</a:t>
             </a:fld>
             <a:endParaRPr lang="en-US"/>
           </a:p>
@@ -2595,7 +2600,7 @@
           <a:p>
             <a:fld id="{C2E7B131-07F8-424C-B2C6-988122726F97}" type="datetimeFigureOut">
               <a:rPr lang="en-US" smtClean="0"/>
-              <a:t>9/12/19</a:t>
+              <a:t>9/13/19</a:t>
             </a:fld>
             <a:endParaRPr lang="en-US"/>
           </a:p>
@@ -2906,7 +2911,7 @@
           <a:p>
             <a:fld id="{C2E7B131-07F8-424C-B2C6-988122726F97}" type="datetimeFigureOut">
               <a:rPr lang="en-US" smtClean="0"/>
-              <a:t>9/12/19</a:t>
+              <a:t>9/13/19</a:t>
             </a:fld>
             <a:endParaRPr lang="en-US"/>
           </a:p>
@@ -3194,7 +3199,7 @@
           <a:p>
             <a:fld id="{C2E7B131-07F8-424C-B2C6-988122726F97}" type="datetimeFigureOut">
               <a:rPr lang="en-US" smtClean="0"/>
-              <a:t>9/12/19</a:t>
+              <a:t>9/13/19</a:t>
             </a:fld>
             <a:endParaRPr lang="en-US"/>
           </a:p>
@@ -3435,7 +3440,7 @@
           <a:p>
             <a:fld id="{C2E7B131-07F8-424C-B2C6-988122726F97}" type="datetimeFigureOut">
               <a:rPr lang="en-US" smtClean="0"/>
-              <a:t>9/12/19</a:t>
+              <a:t>9/13/19</a:t>
             </a:fld>
             <a:endParaRPr lang="en-US"/>
           </a:p>
@@ -10990,7 +10995,7 @@
         <p:spPr>
           <a:xfrm>
             <a:off x="6807202" y="3170922"/>
-            <a:ext cx="4432298" cy="646331"/>
+            <a:ext cx="4432298" cy="1200329"/>
           </a:xfrm>
           <a:prstGeom prst="rect">
             <a:avLst/>
@@ -11006,6 +11011,15 @@
             <a:r>
               <a:rPr lang="en-US" dirty="0"/>
               <a:t>Trips usually start at 3 minutes + 6 additional minutes per additional mile traveled</a:t>
+            </a:r>
+          </a:p>
+          <a:p>
+            <a:endParaRPr lang="en-US" dirty="0"/>
+          </a:p>
+          <a:p>
+            <a:r>
+              <a:rPr lang="en-US" dirty="0"/>
+              <a:t>R^2 Accuracy of 0.717</a:t>
             </a:r>
           </a:p>
         </p:txBody>
